--- a/Программа-дисконт.pptx
+++ b/Программа-дисконт.pptx
@@ -419,7 +419,7 @@
             <a:fld id="{63BEAC5E-8B22-4A98-8C02-CFDEF71F0342}" type="datetimeFigureOut">
               <a:rPr lang="ru-RU" smtClean="0"/>
               <a:pPr/>
-              <a:t>10.11.2019</a:t>
+              <a:t>22.12.2019</a:t>
             </a:fld>
             <a:endParaRPr lang="ru-RU"/>
           </a:p>
@@ -606,7 +606,7 @@
             <a:fld id="{63BEAC5E-8B22-4A98-8C02-CFDEF71F0342}" type="datetimeFigureOut">
               <a:rPr lang="ru-RU" smtClean="0"/>
               <a:pPr/>
-              <a:t>10.11.2019</a:t>
+              <a:t>22.12.2019</a:t>
             </a:fld>
             <a:endParaRPr lang="ru-RU"/>
           </a:p>
@@ -793,7 +793,7 @@
             <a:fld id="{63BEAC5E-8B22-4A98-8C02-CFDEF71F0342}" type="datetimeFigureOut">
               <a:rPr lang="ru-RU" smtClean="0"/>
               <a:pPr/>
-              <a:t>10.11.2019</a:t>
+              <a:t>22.12.2019</a:t>
             </a:fld>
             <a:endParaRPr lang="ru-RU"/>
           </a:p>
@@ -980,7 +980,7 @@
             <a:fld id="{63BEAC5E-8B22-4A98-8C02-CFDEF71F0342}" type="datetimeFigureOut">
               <a:rPr lang="ru-RU" smtClean="0"/>
               <a:pPr/>
-              <a:t>10.11.2019</a:t>
+              <a:t>22.12.2019</a:t>
             </a:fld>
             <a:endParaRPr lang="ru-RU"/>
           </a:p>
@@ -1363,7 +1363,7 @@
             <a:fld id="{63BEAC5E-8B22-4A98-8C02-CFDEF71F0342}" type="datetimeFigureOut">
               <a:rPr lang="ru-RU" smtClean="0"/>
               <a:pPr/>
-              <a:t>10.11.2019</a:t>
+              <a:t>22.12.2019</a:t>
             </a:fld>
             <a:endParaRPr lang="ru-RU"/>
           </a:p>
@@ -1634,7 +1634,7 @@
             <a:fld id="{63BEAC5E-8B22-4A98-8C02-CFDEF71F0342}" type="datetimeFigureOut">
               <a:rPr lang="ru-RU" smtClean="0"/>
               <a:pPr/>
-              <a:t>10.11.2019</a:t>
+              <a:t>22.12.2019</a:t>
             </a:fld>
             <a:endParaRPr lang="ru-RU"/>
           </a:p>
@@ -2021,7 +2021,7 @@
             <a:fld id="{63BEAC5E-8B22-4A98-8C02-CFDEF71F0342}" type="datetimeFigureOut">
               <a:rPr lang="ru-RU" smtClean="0"/>
               <a:pPr/>
-              <a:t>10.11.2019</a:t>
+              <a:t>22.12.2019</a:t>
             </a:fld>
             <a:endParaRPr lang="ru-RU"/>
           </a:p>
@@ -2144,7 +2144,7 @@
             <a:fld id="{63BEAC5E-8B22-4A98-8C02-CFDEF71F0342}" type="datetimeFigureOut">
               <a:rPr lang="ru-RU" smtClean="0"/>
               <a:pPr/>
-              <a:t>10.11.2019</a:t>
+              <a:t>22.12.2019</a:t>
             </a:fld>
             <a:endParaRPr lang="ru-RU"/>
           </a:p>
@@ -2326,7 +2326,7 @@
             <a:fld id="{63BEAC5E-8B22-4A98-8C02-CFDEF71F0342}" type="datetimeFigureOut">
               <a:rPr lang="ru-RU" smtClean="0"/>
               <a:pPr/>
-              <a:t>10.11.2019</a:t>
+              <a:t>22.12.2019</a:t>
             </a:fld>
             <a:endParaRPr lang="ru-RU"/>
           </a:p>
@@ -2662,7 +2662,7 @@
             <a:fld id="{63BEAC5E-8B22-4A98-8C02-CFDEF71F0342}" type="datetimeFigureOut">
               <a:rPr lang="ru-RU" smtClean="0"/>
               <a:pPr/>
-              <a:t>10.11.2019</a:t>
+              <a:t>22.12.2019</a:t>
             </a:fld>
             <a:endParaRPr lang="ru-RU"/>
           </a:p>
@@ -3033,7 +3033,7 @@
             <a:fld id="{63BEAC5E-8B22-4A98-8C02-CFDEF71F0342}" type="datetimeFigureOut">
               <a:rPr lang="ru-RU" smtClean="0"/>
               <a:pPr/>
-              <a:t>10.11.2019</a:t>
+              <a:t>22.12.2019</a:t>
             </a:fld>
             <a:endParaRPr lang="ru-RU"/>
           </a:p>
@@ -3453,7 +3453,7 @@
             <a:fld id="{63BEAC5E-8B22-4A98-8C02-CFDEF71F0342}" type="datetimeFigureOut">
               <a:rPr lang="ru-RU" smtClean="0"/>
               <a:pPr/>
-              <a:t>10.11.2019</a:t>
+              <a:t>22.12.2019</a:t>
             </a:fld>
             <a:endParaRPr lang="ru-RU"/>
           </a:p>
@@ -3942,7 +3942,11 @@
             </a:r>
             <a:r>
               <a:rPr lang="ru-RU" dirty="0" smtClean="0"/>
-              <a:t>Кабанов Александр (</a:t>
+              <a:t>Кабанов Александр </a:t>
+            </a:r>
+            <a:r>
+              <a:rPr lang="ru-RU" dirty="0" smtClean="0"/>
+              <a:t>(9</a:t>
             </a:r>
             <a:r>
               <a:rPr lang="en-US" dirty="0" smtClean="0"/>
@@ -4252,7 +4256,7 @@
             </a:pPr>
             <a:r>
               <a:rPr lang="ru-RU" sz="2000" dirty="0" smtClean="0"/>
-              <a:t>Рассказать о своей программе и её устройстве</a:t>
+              <a:t>Рассказать о своей программе </a:t>
             </a:r>
           </a:p>
           <a:p>
@@ -4492,7 +4496,7 @@
       </p:grpSpPr>
       <p:pic>
         <p:nvPicPr>
-          <p:cNvPr id="17410" name="Picture 2"/>
+          <p:cNvPr id="2050" name="Picture 2" descr="https://sun9-32.userapi.com/c855432/v855432324/1a2d8f/Nk24b52o36Q.jpg"/>
           <p:cNvPicPr>
             <a:picLocks noChangeAspect="1" noChangeArrowheads="1"/>
           </p:cNvPicPr>
@@ -4500,26 +4504,46 @@
         </p:nvPicPr>
         <p:blipFill>
           <a:blip r:embed="rId2" cstate="print"/>
-          <a:srcRect t="9459" b="8108"/>
+          <a:srcRect/>
           <a:stretch>
             <a:fillRect/>
           </a:stretch>
         </p:blipFill>
         <p:spPr bwMode="auto">
           <a:xfrm>
-            <a:off x="178628" y="1268760"/>
-            <a:ext cx="8965372" cy="4392488"/>
+            <a:off x="899592" y="1268760"/>
+            <a:ext cx="2400300" cy="3200401"/>
           </a:xfrm>
           <a:prstGeom prst="rect">
             <a:avLst/>
           </a:prstGeom>
           <a:noFill/>
-          <a:ln w="9525">
-            <a:noFill/>
-            <a:miter lim="800000"/>
-            <a:headEnd/>
-            <a:tailEnd/>
-          </a:ln>
+        </p:spPr>
+      </p:pic>
+      <p:pic>
+        <p:nvPicPr>
+          <p:cNvPr id="2052" name="Picture 4" descr="https://sun9-40.userapi.com/c855432/v855432955/1aafa5/EhxZLx--QGo.jpg"/>
+          <p:cNvPicPr>
+            <a:picLocks noChangeAspect="1" noChangeArrowheads="1"/>
+          </p:cNvPicPr>
+          <p:nvPr/>
+        </p:nvPicPr>
+        <p:blipFill>
+          <a:blip r:embed="rId3" cstate="print"/>
+          <a:srcRect/>
+          <a:stretch>
+            <a:fillRect/>
+          </a:stretch>
+        </p:blipFill>
+        <p:spPr bwMode="auto">
+          <a:xfrm>
+            <a:off x="4860032" y="1340768"/>
+            <a:ext cx="2381250" cy="3228975"/>
+          </a:xfrm>
+          <a:prstGeom prst="rect">
+            <a:avLst/>
+          </a:prstGeom>
+          <a:noFill/>
         </p:spPr>
       </p:pic>
     </p:spTree>
